--- a/presentations/Introduction to Testcontainers.pptx
+++ b/presentations/Introduction to Testcontainers.pptx
@@ -4377,18 +4377,9 @@
           <a:p>
             <a:pPr lvl="1"/>
             <a:r>
-              <a:rPr lang="en-US"/>
-              <a:t>Required </a:t>
-            </a:r>
-            <a:r>
               <a:rPr lang="en-US" dirty="0"/>
-              <a:t>if using </a:t>
-            </a:r>
-            <a:r>
-              <a:rPr lang="en-US"/>
-              <a:t>Docker Compose. </a:t>
-            </a:r>
-            <a:endParaRPr lang="en-US" dirty="0"/>
+              <a:t>Required if using Docker Compose. </a:t>
+            </a:r>
           </a:p>
           <a:p>
             <a:endParaRPr lang="en-US" dirty="0"/>
@@ -4654,60 +4645,18 @@
           <a:p>
             <a:r>
               <a:rPr lang="en-US" dirty="0" err="1"/>
-              <a:t>xUnit</a:t>
+              <a:t>Testcontainers</a:t>
             </a:r>
             <a:r>
               <a:rPr lang="en-US" dirty="0"/>
-              <a:t> Patterns: </a:t>
+              <a:t>: </a:t>
             </a:r>
             <a:r>
               <a:rPr lang="en-US" dirty="0">
                 <a:hlinkClick r:id="rId2"/>
               </a:rPr>
-              <a:t>http://www.xunitpatterns.com</a:t>
-            </a:r>
-            <a:endParaRPr lang="en-US" dirty="0"/>
-          </a:p>
-          <a:p>
-            <a:r>
-              <a:rPr lang="en-US" dirty="0"/>
-              <a:t>Mockito: </a:t>
-            </a:r>
-            <a:r>
-              <a:rPr lang="en-US" dirty="0">
-                <a:hlinkClick r:id="rId3"/>
-              </a:rPr>
-              <a:t>https://site.mockito.org</a:t>
-            </a:r>
-            <a:endParaRPr lang="en-US" dirty="0"/>
-          </a:p>
-          <a:p>
-            <a:r>
-              <a:rPr lang="en-US" dirty="0"/>
-              <a:t>Jasmine: </a:t>
-            </a:r>
-            <a:r>
-              <a:rPr lang="en-US" dirty="0">
-                <a:hlinkClick r:id="rId4"/>
-              </a:rPr>
-              <a:t>https://jasmine.github.io</a:t>
-            </a:r>
-            <a:endParaRPr lang="en-US" dirty="0"/>
-          </a:p>
-          <a:p>
-            <a:r>
-              <a:rPr lang="en-US" dirty="0"/>
-              <a:t>Jest: </a:t>
-            </a:r>
-            <a:r>
-              <a:rPr lang="en-US" dirty="0">
-                <a:hlinkClick r:id="rId5"/>
-              </a:rPr>
-              <a:t>https://jestjs.io/docs/mock-functions</a:t>
-            </a:r>
-            <a:endParaRPr lang="en-US" dirty="0"/>
-          </a:p>
-          <a:p>
+              <a:t>https://www.testcontainers.org/</a:t>
+            </a:r>
             <a:endParaRPr lang="en-US" dirty="0"/>
           </a:p>
           <a:p>
